--- a/Figures/flowchart.pptx
+++ b/Figures/flowchart.pptx
@@ -243,7 +243,7 @@
           <a:p>
             <a:fld id="{AF3DC106-BC75-47B7-9228-3DFB985433A4}" type="datetimeFigureOut">
               <a:rPr lang="pt-BR" smtClean="0"/>
-              <a:t>12/04/2021</a:t>
+              <a:t>15/11/2021</a:t>
             </a:fld>
             <a:endParaRPr lang="pt-BR"/>
           </a:p>
@@ -413,7 +413,7 @@
           <a:p>
             <a:fld id="{AF3DC106-BC75-47B7-9228-3DFB985433A4}" type="datetimeFigureOut">
               <a:rPr lang="pt-BR" smtClean="0"/>
-              <a:t>12/04/2021</a:t>
+              <a:t>15/11/2021</a:t>
             </a:fld>
             <a:endParaRPr lang="pt-BR"/>
           </a:p>
@@ -593,7 +593,7 @@
           <a:p>
             <a:fld id="{AF3DC106-BC75-47B7-9228-3DFB985433A4}" type="datetimeFigureOut">
               <a:rPr lang="pt-BR" smtClean="0"/>
-              <a:t>12/04/2021</a:t>
+              <a:t>15/11/2021</a:t>
             </a:fld>
             <a:endParaRPr lang="pt-BR"/>
           </a:p>
@@ -763,7 +763,7 @@
           <a:p>
             <a:fld id="{AF3DC106-BC75-47B7-9228-3DFB985433A4}" type="datetimeFigureOut">
               <a:rPr lang="pt-BR" smtClean="0"/>
-              <a:t>12/04/2021</a:t>
+              <a:t>15/11/2021</a:t>
             </a:fld>
             <a:endParaRPr lang="pt-BR"/>
           </a:p>
@@ -1009,7 +1009,7 @@
           <a:p>
             <a:fld id="{AF3DC106-BC75-47B7-9228-3DFB985433A4}" type="datetimeFigureOut">
               <a:rPr lang="pt-BR" smtClean="0"/>
-              <a:t>12/04/2021</a:t>
+              <a:t>15/11/2021</a:t>
             </a:fld>
             <a:endParaRPr lang="pt-BR"/>
           </a:p>
@@ -1241,7 +1241,7 @@
           <a:p>
             <a:fld id="{AF3DC106-BC75-47B7-9228-3DFB985433A4}" type="datetimeFigureOut">
               <a:rPr lang="pt-BR" smtClean="0"/>
-              <a:t>12/04/2021</a:t>
+              <a:t>15/11/2021</a:t>
             </a:fld>
             <a:endParaRPr lang="pt-BR"/>
           </a:p>
@@ -1608,7 +1608,7 @@
           <a:p>
             <a:fld id="{AF3DC106-BC75-47B7-9228-3DFB985433A4}" type="datetimeFigureOut">
               <a:rPr lang="pt-BR" smtClean="0"/>
-              <a:t>12/04/2021</a:t>
+              <a:t>15/11/2021</a:t>
             </a:fld>
             <a:endParaRPr lang="pt-BR"/>
           </a:p>
@@ -1726,7 +1726,7 @@
           <a:p>
             <a:fld id="{AF3DC106-BC75-47B7-9228-3DFB985433A4}" type="datetimeFigureOut">
               <a:rPr lang="pt-BR" smtClean="0"/>
-              <a:t>12/04/2021</a:t>
+              <a:t>15/11/2021</a:t>
             </a:fld>
             <a:endParaRPr lang="pt-BR"/>
           </a:p>
@@ -1821,7 +1821,7 @@
           <a:p>
             <a:fld id="{AF3DC106-BC75-47B7-9228-3DFB985433A4}" type="datetimeFigureOut">
               <a:rPr lang="pt-BR" smtClean="0"/>
-              <a:t>12/04/2021</a:t>
+              <a:t>15/11/2021</a:t>
             </a:fld>
             <a:endParaRPr lang="pt-BR"/>
           </a:p>
@@ -2098,7 +2098,7 @@
           <a:p>
             <a:fld id="{AF3DC106-BC75-47B7-9228-3DFB985433A4}" type="datetimeFigureOut">
               <a:rPr lang="pt-BR" smtClean="0"/>
-              <a:t>12/04/2021</a:t>
+              <a:t>15/11/2021</a:t>
             </a:fld>
             <a:endParaRPr lang="pt-BR"/>
           </a:p>
@@ -2355,7 +2355,7 @@
           <a:p>
             <a:fld id="{AF3DC106-BC75-47B7-9228-3DFB985433A4}" type="datetimeFigureOut">
               <a:rPr lang="pt-BR" smtClean="0"/>
-              <a:t>12/04/2021</a:t>
+              <a:t>15/11/2021</a:t>
             </a:fld>
             <a:endParaRPr lang="pt-BR"/>
           </a:p>
@@ -2568,7 +2568,7 @@
           <a:p>
             <a:fld id="{AF3DC106-BC75-47B7-9228-3DFB985433A4}" type="datetimeFigureOut">
               <a:rPr lang="pt-BR" smtClean="0"/>
-              <a:t>12/04/2021</a:t>
+              <a:t>15/11/2021</a:t>
             </a:fld>
             <a:endParaRPr lang="pt-BR"/>
           </a:p>
@@ -3196,8 +3196,8 @@
           </p:nvSpPr>
           <p:spPr>
             <a:xfrm>
-              <a:off x="8669272" y="3675904"/>
-              <a:ext cx="1437454" cy="498223"/>
+              <a:off x="8526801" y="3589609"/>
+              <a:ext cx="1670069" cy="657511"/>
             </a:xfrm>
             <a:prstGeom prst="rect">
               <a:avLst/>
@@ -3240,7 +3240,7 @@
                   <a:latin typeface="Times New Roman" panose="02020603050405020304" pitchFamily="18" charset="0"/>
                   <a:cs typeface="Times New Roman" panose="02020603050405020304" pitchFamily="18" charset="0"/>
                 </a:rPr>
-                <a:t>Summation</a:t>
+                <a:t>Signal reconstruction</a:t>
               </a:r>
             </a:p>
           </p:txBody>
@@ -3798,8 +3798,8 @@
           </p:nvCxnSpPr>
           <p:spPr>
             <a:xfrm>
-              <a:off x="7885230" y="2300954"/>
-              <a:ext cx="784042" cy="1624062"/>
+              <a:off x="7885231" y="2300954"/>
+              <a:ext cx="641570" cy="1617411"/>
             </a:xfrm>
             <a:prstGeom prst="bentConnector3">
               <a:avLst>
@@ -3846,8 +3846,8 @@
           </p:nvCxnSpPr>
           <p:spPr>
             <a:xfrm>
-              <a:off x="7885230" y="3370830"/>
-              <a:ext cx="784042" cy="554186"/>
+              <a:off x="7885231" y="3370830"/>
+              <a:ext cx="641570" cy="547535"/>
             </a:xfrm>
             <a:prstGeom prst="bentConnector3">
               <a:avLst/>
@@ -3892,8 +3892,8 @@
           </p:nvCxnSpPr>
           <p:spPr>
             <a:xfrm flipV="1">
-              <a:off x="7885230" y="3925016"/>
-              <a:ext cx="784042" cy="515690"/>
+              <a:off x="7885231" y="3918365"/>
+              <a:ext cx="641570" cy="522341"/>
             </a:xfrm>
             <a:prstGeom prst="bentConnector3">
               <a:avLst/>
@@ -3938,8 +3938,8 @@
           </p:nvCxnSpPr>
           <p:spPr>
             <a:xfrm flipV="1">
-              <a:off x="7885230" y="3925016"/>
-              <a:ext cx="784042" cy="1585565"/>
+              <a:off x="7885231" y="3918365"/>
+              <a:ext cx="641570" cy="1592216"/>
             </a:xfrm>
             <a:prstGeom prst="bentConnector3">
               <a:avLst/>
@@ -3976,15 +3976,16 @@
               </a:extLst>
             </p:cNvPr>
             <p:cNvCxnSpPr>
+              <a:cxnSpLocks/>
               <a:stCxn id="7" idx="3"/>
               <a:endCxn id="9" idx="1"/>
             </p:cNvCxnSpPr>
             <p:nvPr/>
           </p:nvCxnSpPr>
           <p:spPr>
-            <a:xfrm flipV="1">
-              <a:off x="10106726" y="3923521"/>
-              <a:ext cx="641571" cy="1495"/>
+            <a:xfrm>
+              <a:off x="10196870" y="3918365"/>
+              <a:ext cx="551427" cy="5156"/>
             </a:xfrm>
             <a:prstGeom prst="straightConnector1">
               <a:avLst/>
